--- a/Slides/3.0-Transistors.pptx
+++ b/Slides/3.0-Transistors.pptx
@@ -184,14 +184,6 @@
 <p:cmAuthorLst xmlns:a="http://schemas.openxmlformats.org/drawingml/2006/main" xmlns:r="http://schemas.openxmlformats.org/officeDocument/2006/relationships" xmlns:p="http://schemas.openxmlformats.org/presentationml/2006/main">
   <p:cmAuthor id="2" name="Author" initials="A" lastIdx="20" clrIdx="1"/>
 </p:cmAuthorLst>
-</file>
-
-<file path=ppt/revisionInfo.xml><?xml version="1.0" encoding="utf-8"?>
-<p1510:revInfo xmlns:a="http://schemas.openxmlformats.org/drawingml/2006/main" xmlns:r="http://schemas.openxmlformats.org/officeDocument/2006/relationships" xmlns:p1510="http://schemas.microsoft.com/office/powerpoint/2015/10/main">
-  <p1510:revLst>
-    <p1510:client id="{DB2241DE-04D6-3E46-94F2-7D0E5316BA5D}" v="9" dt="2024-01-23T18:02:21.686"/>
-  </p1510:revLst>
-</p1510:revInfo>
 </file>
 
 <file path=ppt/handoutMasters/handoutMaster1.xml><?xml version="1.0" encoding="utf-8"?>
